--- a/documents/Presentation.pptx
+++ b/documents/Presentation.pptx
@@ -144,9 +144,9 @@
 <file path=ppt/revisionInfo.xml><?xml version="1.0" encoding="utf-8"?>
 <p1510:revInfo xmlns:a="http://schemas.openxmlformats.org/drawingml/2006/main" xmlns:r="http://schemas.openxmlformats.org/officeDocument/2006/relationships" xmlns:p1510="http://schemas.microsoft.com/office/powerpoint/2015/10/main">
   <p1510:revLst>
+    <p1510:client id="{4D1C9A28-1BE6-6E44-826E-4357D2E76FDE}" v="10" dt="2018-11-30T10:34:23.736"/>
+    <p1510:client id="{AC094012-D821-0ABD-0630-BCB766096945}" v="1" dt="2018-11-26T17:30:02.210"/>
     <p1510:client id="{7FF5AF13-DCAB-41DF-A0AE-B8F8AC5CC769}" v="3" dt="2018-11-26T17:25:26.530"/>
-    <p1510:client id="{AC094012-D821-0ABD-0630-BCB766096945}" v="1" dt="2018-11-26T17:30:02.210"/>
-    <p1510:client id="{4D1C9A28-1BE6-6E44-826E-4357D2E76FDE}" v="10" dt="2018-11-30T10:34:23.736"/>
     <p1510:client id="{AEFC9C0C-31F4-4766-A33C-41A583EED0C2}" v="2" dt="2018-11-26T17:25:59.959"/>
   </p1510:revLst>
 </p1510:revInfo>

--- a/documents/Presentation.pptx
+++ b/documents/Presentation.pptx
@@ -451,7 +451,7 @@
           <a:p>
             <a:fld id="{A1998C26-F6D2-7140-B0AB-2C0B7698F8A6}" type="datetimeFigureOut">
               <a:rPr lang="en-US" smtClean="0"/>
-              <a:t>11/30/2018</a:t>
+              <a:t>12/1/2018</a:t>
             </a:fld>
             <a:endParaRPr lang="en-US"/>
           </a:p>
@@ -1353,7 +1353,7 @@
           <a:p>
             <a:fld id="{DE64FB8F-E7F5-41F6-B9FA-E010D0B79A38}" type="datetimeFigureOut">
               <a:rPr lang="he-IL" smtClean="0"/>
-              <a:t>כ"ב/כסלו/תשע"ט</a:t>
+              <a:t>כ"ג/כסלו/תשע"ט</a:t>
             </a:fld>
             <a:endParaRPr lang="he-IL"/>
           </a:p>
@@ -1523,7 +1523,7 @@
           <a:p>
             <a:fld id="{DE64FB8F-E7F5-41F6-B9FA-E010D0B79A38}" type="datetimeFigureOut">
               <a:rPr lang="he-IL" smtClean="0"/>
-              <a:t>כ"ב/כסלו/תשע"ט</a:t>
+              <a:t>כ"ג/כסלו/תשע"ט</a:t>
             </a:fld>
             <a:endParaRPr lang="he-IL"/>
           </a:p>
@@ -1703,7 +1703,7 @@
           <a:p>
             <a:fld id="{DE64FB8F-E7F5-41F6-B9FA-E010D0B79A38}" type="datetimeFigureOut">
               <a:rPr lang="he-IL" smtClean="0"/>
-              <a:t>כ"ב/כסלו/תשע"ט</a:t>
+              <a:t>כ"ג/כסלו/תשע"ט</a:t>
             </a:fld>
             <a:endParaRPr lang="he-IL"/>
           </a:p>
@@ -1873,7 +1873,7 @@
           <a:p>
             <a:fld id="{DE64FB8F-E7F5-41F6-B9FA-E010D0B79A38}" type="datetimeFigureOut">
               <a:rPr lang="he-IL" smtClean="0"/>
-              <a:t>כ"ב/כסלו/תשע"ט</a:t>
+              <a:t>כ"ג/כסלו/תשע"ט</a:t>
             </a:fld>
             <a:endParaRPr lang="he-IL"/>
           </a:p>
@@ -2119,7 +2119,7 @@
           <a:p>
             <a:fld id="{DE64FB8F-E7F5-41F6-B9FA-E010D0B79A38}" type="datetimeFigureOut">
               <a:rPr lang="he-IL" smtClean="0"/>
-              <a:t>כ"ב/כסלו/תשע"ט</a:t>
+              <a:t>כ"ג/כסלו/תשע"ט</a:t>
             </a:fld>
             <a:endParaRPr lang="he-IL"/>
           </a:p>
@@ -2407,7 +2407,7 @@
           <a:p>
             <a:fld id="{DE64FB8F-E7F5-41F6-B9FA-E010D0B79A38}" type="datetimeFigureOut">
               <a:rPr lang="he-IL" smtClean="0"/>
-              <a:t>כ"ב/כסלו/תשע"ט</a:t>
+              <a:t>כ"ג/כסלו/תשע"ט</a:t>
             </a:fld>
             <a:endParaRPr lang="he-IL"/>
           </a:p>
@@ -2829,7 +2829,7 @@
           <a:p>
             <a:fld id="{DE64FB8F-E7F5-41F6-B9FA-E010D0B79A38}" type="datetimeFigureOut">
               <a:rPr lang="he-IL" smtClean="0"/>
-              <a:t>כ"ב/כסלו/תשע"ט</a:t>
+              <a:t>כ"ג/כסלו/תשע"ט</a:t>
             </a:fld>
             <a:endParaRPr lang="he-IL"/>
           </a:p>
@@ -2947,7 +2947,7 @@
           <a:p>
             <a:fld id="{DE64FB8F-E7F5-41F6-B9FA-E010D0B79A38}" type="datetimeFigureOut">
               <a:rPr lang="he-IL" smtClean="0"/>
-              <a:t>כ"ב/כסלו/תשע"ט</a:t>
+              <a:t>כ"ג/כסלו/תשע"ט</a:t>
             </a:fld>
             <a:endParaRPr lang="he-IL"/>
           </a:p>
@@ -3042,7 +3042,7 @@
           <a:p>
             <a:fld id="{DE64FB8F-E7F5-41F6-B9FA-E010D0B79A38}" type="datetimeFigureOut">
               <a:rPr lang="he-IL" smtClean="0"/>
-              <a:t>כ"ב/כסלו/תשע"ט</a:t>
+              <a:t>כ"ג/כסלו/תשע"ט</a:t>
             </a:fld>
             <a:endParaRPr lang="he-IL"/>
           </a:p>
@@ -3319,7 +3319,7 @@
           <a:p>
             <a:fld id="{DE64FB8F-E7F5-41F6-B9FA-E010D0B79A38}" type="datetimeFigureOut">
               <a:rPr lang="he-IL" smtClean="0"/>
-              <a:t>כ"ב/כסלו/תשע"ט</a:t>
+              <a:t>כ"ג/כסלו/תשע"ט</a:t>
             </a:fld>
             <a:endParaRPr lang="he-IL"/>
           </a:p>
@@ -3572,7 +3572,7 @@
           <a:p>
             <a:fld id="{DE64FB8F-E7F5-41F6-B9FA-E010D0B79A38}" type="datetimeFigureOut">
               <a:rPr lang="he-IL" smtClean="0"/>
-              <a:t>כ"ב/כסלו/תשע"ט</a:t>
+              <a:t>כ"ג/כסלו/תשע"ט</a:t>
             </a:fld>
             <a:endParaRPr lang="he-IL"/>
           </a:p>
@@ -3785,7 +3785,7 @@
           <a:p>
             <a:fld id="{DE64FB8F-E7F5-41F6-B9FA-E010D0B79A38}" type="datetimeFigureOut">
               <a:rPr lang="he-IL" smtClean="0"/>
-              <a:t>כ"ב/כסלו/תשע"ט</a:t>
+              <a:t>כ"ג/כסלו/תשע"ט</a:t>
             </a:fld>
             <a:endParaRPr lang="he-IL"/>
           </a:p>
@@ -4302,7 +4302,7 @@
             <a:pPr algn="l" rtl="0"/>
             <a:r>
               <a:rPr lang="en-US" dirty="0"/>
-              <a:t>Creating an open crowd-based trips database with features and rating</a:t>
+              <a:t>Creating an open crowd-based trips-routes database with features and rating</a:t>
             </a:r>
           </a:p>
           <a:p>
@@ -4475,7 +4475,7 @@
             <a:pPr algn="l" rtl="0"/>
             <a:r>
               <a:rPr lang="en-US" dirty="0"/>
-              <a:t>In the future the app will not allow trips with similar names, and will encourage people to use exiting trips. </a:t>
+              <a:t>In the future the app will not allow routes with similar names, and will encourage people to use exiting trips. </a:t>
             </a:r>
           </a:p>
           <a:p>
@@ -4489,14 +4489,14 @@
             <a:pPr algn="l" rtl="0"/>
             <a:r>
               <a:rPr lang="en-US" dirty="0"/>
-              <a:t>Add “stand-by” status for a trip (future)</a:t>
+              <a:t>Add “stand-by” status for a trip-event (future)</a:t>
             </a:r>
           </a:p>
           <a:p>
             <a:pPr algn="l" rtl="0"/>
             <a:r>
               <a:rPr lang="en-US" dirty="0"/>
-              <a:t>Trip-Cancellations will yield messages to all travelers (either standby people can join, or group need extra car – and organizer can decide who need to cancel if no more cars</a:t>
+              <a:t>Participant-Cancellations will yield messages to all participants (either standby people can join, or group need an extra car), and organizer can decide who need to cancel if not enough cars</a:t>
             </a:r>
           </a:p>
           <a:p>
@@ -4622,7 +4622,7 @@
             </a:pPr>
             <a:r>
               <a:rPr lang="en-US" dirty="0"/>
-              <a:t>Smart pickup – based on address of each person and based on the route from address to trip location, the app can create multiple meeting points</a:t>
+              <a:t>Smart pickup – based on address of each driver, the app can create multiple meeting points for an event</a:t>
             </a:r>
           </a:p>
           <a:p>
@@ -5069,10 +5069,10 @@
           <a:p>
             <a:pPr algn="ctr" rtl="0"/>
             <a:r>
-              <a:rPr lang="en-US"/>
-              <a:t>Choose trip</a:t>
-            </a:r>
-            <a:endParaRPr lang="he-IL"/>
+              <a:rPr lang="en-US" dirty="0"/>
+              <a:t>Choose route</a:t>
+            </a:r>
+            <a:endParaRPr lang="he-IL" dirty="0"/>
           </a:p>
         </p:txBody>
       </p:sp>
@@ -5745,10 +5745,10 @@
           <a:p>
             <a:pPr algn="ctr" rtl="0"/>
             <a:r>
-              <a:rPr lang="en-US"/>
-              <a:t>Edit/create  trip</a:t>
-            </a:r>
-            <a:endParaRPr lang="he-IL"/>
+              <a:rPr lang="en-US" dirty="0"/>
+              <a:t>Edit/create  route</a:t>
+            </a:r>
+            <a:endParaRPr lang="he-IL" dirty="0"/>
           </a:p>
         </p:txBody>
       </p:sp>
@@ -7117,7 +7117,7 @@
               <a:buChar char="•"/>
             </a:pPr>
             <a:r>
-              <a:rPr lang="en-US">
+              <a:rPr lang="en-US" dirty="0">
                 <a:latin typeface="Calibri" charset="0"/>
                 <a:ea typeface="Calibri" charset="0"/>
                 <a:cs typeface="Calibri" charset="0"/>
@@ -7134,12 +7134,12 @@
               <a:buChar char="•"/>
             </a:pPr>
             <a:r>
-              <a:rPr lang="en-US">
+              <a:rPr lang="en-US" dirty="0">
                 <a:latin typeface="Calibri" charset="0"/>
                 <a:ea typeface="Calibri" charset="0"/>
                 <a:cs typeface="Calibri" charset="0"/>
               </a:rPr>
-              <a:t>The platform will create trips repository based on the trips descriptions suggested by users in the area </a:t>
+              <a:t>The platform will create trips repository based on the trip-routes descriptions suggested by users in the area </a:t>
             </a:r>
           </a:p>
           <a:p>
@@ -7151,12 +7151,12 @@
               <a:buChar char="•"/>
             </a:pPr>
             <a:r>
-              <a:rPr lang="en-US">
+              <a:rPr lang="en-US" dirty="0">
                 <a:latin typeface="Calibri" charset="0"/>
                 <a:ea typeface="Calibri" charset="0"/>
                 <a:cs typeface="Calibri" charset="0"/>
               </a:rPr>
-              <a:t>The application will help organize logistics aspects of a trip: cars availability, attendance, equipment, budget etc..</a:t>
+              <a:t>The application will help organize logistics aspects of a trip event: cars availability, attendance, equipment, budget etc..</a:t>
             </a:r>
           </a:p>
         </p:txBody>
@@ -7238,7 +7238,7 @@
           <a:p>
             <a:pPr algn="l" rtl="0"/>
             <a:r>
-              <a:rPr lang="en-US">
+              <a:rPr lang="en-US" dirty="0">
                 <a:latin typeface="Calibri" charset="0"/>
                 <a:ea typeface="Calibri" charset="0"/>
                 <a:cs typeface="Calibri" charset="0"/>
@@ -7249,7 +7249,7 @@
           <a:p>
             <a:pPr lvl="1" algn="l" rtl="0"/>
             <a:r>
-              <a:rPr lang="en-US">
+              <a:rPr lang="en-US" dirty="0">
                 <a:latin typeface="Calibri" charset="0"/>
                 <a:ea typeface="Calibri" charset="0"/>
                 <a:cs typeface="Calibri" charset="0"/>
@@ -7260,18 +7260,18 @@
           <a:p>
             <a:pPr lvl="1" algn="l" rtl="0"/>
             <a:r>
-              <a:rPr lang="en-US">
+              <a:rPr lang="en-US" dirty="0">
                 <a:latin typeface="Calibri" charset="0"/>
                 <a:ea typeface="Calibri" charset="0"/>
                 <a:cs typeface="Calibri" charset="0"/>
               </a:rPr>
-              <a:t>Create a new event with description and images of the trip, or create it based on trips in the repository</a:t>
+              <a:t>Create a new event with description and images of the trip, or create it based on trips (routes) in the repository</a:t>
             </a:r>
           </a:p>
           <a:p>
             <a:pPr lvl="1" algn="l" rtl="0"/>
             <a:r>
-              <a:rPr lang="en-US">
+              <a:rPr lang="en-US" dirty="0">
                 <a:latin typeface="Calibri" charset="0"/>
                 <a:ea typeface="Calibri" charset="0"/>
                 <a:cs typeface="Calibri" charset="0"/>
@@ -7282,7 +7282,7 @@
           <a:p>
             <a:pPr lvl="1" algn="l" rtl="0"/>
             <a:r>
-              <a:rPr lang="en-US">
+              <a:rPr lang="en-US" dirty="0">
                 <a:latin typeface="Calibri" charset="0"/>
                 <a:ea typeface="Calibri" charset="0"/>
                 <a:cs typeface="Calibri" charset="0"/>
@@ -7293,18 +7293,18 @@
           <a:p>
             <a:pPr algn="l" rtl="0"/>
             <a:r>
-              <a:rPr lang="en-US">
+              <a:rPr lang="en-US" dirty="0">
                 <a:latin typeface="Calibri" charset="0"/>
                 <a:ea typeface="Calibri" charset="0"/>
                 <a:cs typeface="Calibri" charset="0"/>
               </a:rPr>
-              <a:t>Personalisation</a:t>
+              <a:t>Personalization</a:t>
             </a:r>
           </a:p>
           <a:p>
             <a:pPr lvl="1" algn="l" rtl="0"/>
             <a:r>
-              <a:rPr lang="en-US">
+              <a:rPr lang="en-US" dirty="0">
                 <a:latin typeface="Calibri" charset="0"/>
                 <a:ea typeface="Calibri" charset="0"/>
                 <a:cs typeface="Calibri" charset="0"/>
@@ -7314,7 +7314,7 @@
           </a:p>
           <a:p>
             <a:pPr algn="l" rtl="0"/>
-            <a:endParaRPr lang="en-US">
+            <a:endParaRPr lang="en-US" dirty="0">
               <a:latin typeface="Calibri" charset="0"/>
               <a:ea typeface="Calibri" charset="0"/>
               <a:cs typeface="Calibri" charset="0"/>
@@ -7328,7 +7328,7 @@
               <a:buFont typeface="Arial" panose="020B0604020202020204" pitchFamily="34" charset="0"/>
               <a:buChar char="•"/>
             </a:pPr>
-            <a:endParaRPr lang="en-US"/>
+            <a:endParaRPr lang="en-US" dirty="0"/>
           </a:p>
         </p:txBody>
       </p:sp>
@@ -7409,7 +7409,7 @@
           <a:p>
             <a:pPr algn="l" rtl="0"/>
             <a:r>
-              <a:rPr lang="en-US">
+              <a:rPr lang="en-US" dirty="0">
                 <a:latin typeface="Calibri" charset="0"/>
                 <a:ea typeface="Calibri" charset="0"/>
                 <a:cs typeface="Calibri" charset="0"/>
@@ -7420,7 +7420,7 @@
           <a:p>
             <a:pPr lvl="1" algn="l" rtl="0"/>
             <a:r>
-              <a:rPr lang="en-US">
+              <a:rPr lang="en-US" dirty="0">
                 <a:latin typeface="Calibri" charset="0"/>
                 <a:ea typeface="Calibri" charset="0"/>
                 <a:cs typeface="Calibri" charset="0"/>
@@ -7431,7 +7431,7 @@
           <a:p>
             <a:pPr lvl="1" algn="l" rtl="0"/>
             <a:r>
-              <a:rPr lang="en-US">
+              <a:rPr lang="en-US" dirty="0">
                 <a:latin typeface="Calibri" charset="0"/>
                 <a:ea typeface="Calibri" charset="0"/>
                 <a:cs typeface="Calibri" charset="0"/>
@@ -7442,7 +7442,7 @@
           <a:p>
             <a:pPr lvl="1" algn="l" rtl="0"/>
             <a:r>
-              <a:rPr lang="en-US">
+              <a:rPr lang="en-US" dirty="0">
                 <a:latin typeface="Calibri" charset="0"/>
                 <a:ea typeface="Calibri" charset="0"/>
                 <a:cs typeface="Calibri" charset="0"/>
@@ -7453,12 +7453,12 @@
           <a:p>
             <a:pPr lvl="1" algn="l" rtl="0"/>
             <a:r>
-              <a:rPr lang="en-US">
+              <a:rPr lang="en-US" dirty="0">
                 <a:latin typeface="Calibri" charset="0"/>
                 <a:ea typeface="Calibri" charset="0"/>
                 <a:cs typeface="Calibri" charset="0"/>
               </a:rPr>
-              <a:t>Any trip-description that a guide creates is kept in the repository as a suggestion for future events, including the guide's contact-details (in the future it will bew possible to request and order directly through the app)</a:t>
+              <a:t>Any routes-description that a guide creates is kept in the repository as a suggestion for future events, including the guide's contact-details (in the future it will be possible to request and order directly through the app)</a:t>
             </a:r>
           </a:p>
           <a:p>
@@ -7470,14 +7470,14 @@
           <a:p>
             <a:pPr algn="l" rtl="0"/>
             <a:r>
-              <a:rPr lang="en-US"/>
+              <a:rPr lang="en-US" dirty="0"/>
               <a:t>Travel guides Contribution</a:t>
             </a:r>
           </a:p>
           <a:p>
             <a:pPr lvl="1" algn="l" rtl="0"/>
             <a:r>
-              <a:rPr lang="en-US">
+              <a:rPr lang="en-US" dirty="0">
                 <a:latin typeface="Calibri" charset="0"/>
                 <a:ea typeface="Calibri" charset="0"/>
                 <a:cs typeface="Calibri" charset="0"/>
@@ -7488,12 +7488,12 @@
           <a:p>
             <a:pPr lvl="1" algn="l" rtl="0"/>
             <a:r>
-              <a:rPr lang="en-US">
+              <a:rPr lang="en-US" dirty="0">
                 <a:latin typeface="Calibri" charset="0"/>
                 <a:ea typeface="Calibri" charset="0"/>
                 <a:cs typeface="Calibri" charset="0"/>
               </a:rPr>
-              <a:t>Create high quality trip descriptions </a:t>
+              <a:t>Create high quality routes descriptions </a:t>
             </a:r>
           </a:p>
         </p:txBody>
@@ -7597,7 +7597,7 @@
                 <a:ea typeface="Calibri" charset="0"/>
                 <a:cs typeface="Calibri" charset="0"/>
               </a:rPr>
-              <a:t>Find reviews about trips in the area </a:t>
+              <a:t>Find reviews about trips (routes) in the area </a:t>
             </a:r>
           </a:p>
           <a:p>
@@ -7654,7 +7654,7 @@
                 <a:ea typeface="Calibri" charset="0"/>
                 <a:cs typeface="Calibri" charset="0"/>
               </a:rPr>
-              <a:t>Add new trip descriptions</a:t>
+              <a:t>Add new routes descriptions</a:t>
             </a:r>
           </a:p>
           <a:p>
@@ -7829,7 +7829,7 @@
             <a:pPr algn="l" rtl="0"/>
             <a:r>
               <a:rPr lang="en-US" dirty="0"/>
-              <a:t>Users with low rating will not be able to create content (event, trip, or rating for others)</a:t>
+              <a:t>Users with low rating will not be able to create content (event, routes, or rating for others)</a:t>
             </a:r>
             <a:endParaRPr lang="he-IL" dirty="0">
               <a:latin typeface="Arial"/>
